--- a/Lecture Notes-Slides/Lecture 9.pptx
+++ b/Lecture Notes-Slides/Lecture 9.pptx
@@ -207,7 +207,7 @@
           <a:p>
             <a:fld id="{E13616D7-7E1D-7149-B1BA-1C4D5B5326AC}" type="datetimeFigureOut">
               <a:rPr lang="en-US" smtClean="0"/>
-              <a:t>2/27/16</a:t>
+              <a:t>2/29/16</a:t>
             </a:fld>
             <a:endParaRPr lang="en-US"/>
           </a:p>
@@ -519,6 +519,515 @@
           <a:bodyPr/>
           <a:lstStyle/>
           <a:p>
+            <a:r>
+              <a:rPr lang="en-US" dirty="0" smtClean="0"/>
+              <a:t>The yellow at top of left is a defaulter</a:t>
+            </a:r>
+            <a:r>
+              <a:rPr lang="en-US" baseline="0" dirty="0" smtClean="0"/>
+              <a:t> line, and the yellow at the bottom who did not default.  </a:t>
+            </a:r>
+            <a:endParaRPr lang="en-US" dirty="0"/>
+          </a:p>
+        </p:txBody>
+      </p:sp>
+      <p:sp>
+        <p:nvSpPr>
+          <p:cNvPr id="4" name="Slide Number Placeholder 3"/>
+          <p:cNvSpPr>
+            <a:spLocks noGrp="1"/>
+          </p:cNvSpPr>
+          <p:nvPr>
+            <p:ph type="sldNum" sz="quarter" idx="10"/>
+          </p:nvPr>
+        </p:nvSpPr>
+        <p:spPr/>
+        <p:txBody>
+          <a:bodyPr/>
+          <a:lstStyle/>
+          <a:p>
+            <a:fld id="{7D9F736B-57A7-924F-A28C-09C10C785A95}" type="slidenum">
+              <a:rPr lang="en-US" smtClean="0"/>
+              <a:t>5</a:t>
+            </a:fld>
+            <a:endParaRPr lang="en-US"/>
+          </a:p>
+        </p:txBody>
+      </p:sp>
+    </p:spTree>
+    <p:extLst>
+      <p:ext uri="{BB962C8B-B14F-4D97-AF65-F5344CB8AC3E}">
+        <p14:creationId xmlns:p14="http://schemas.microsoft.com/office/powerpoint/2010/main" val="862733180"/>
+      </p:ext>
+    </p:extLst>
+  </p:cSld>
+  <p:clrMapOvr>
+    <a:masterClrMapping/>
+  </p:clrMapOvr>
+</p:notes>
+</file>
+
+<file path=ppt/notesSlides/notesSlide2.xml><?xml version="1.0" encoding="utf-8"?>
+<p:notes xmlns:a="http://schemas.openxmlformats.org/drawingml/2006/main" xmlns:r="http://schemas.openxmlformats.org/officeDocument/2006/relationships" xmlns:p="http://schemas.openxmlformats.org/presentationml/2006/main">
+  <p:cSld>
+    <p:spTree>
+      <p:nvGrpSpPr>
+        <p:cNvPr id="1" name=""/>
+        <p:cNvGrpSpPr/>
+        <p:nvPr/>
+      </p:nvGrpSpPr>
+      <p:grpSpPr>
+        <a:xfrm>
+          <a:off x="0" y="0"/>
+          <a:ext cx="0" cy="0"/>
+          <a:chOff x="0" y="0"/>
+          <a:chExt cx="0" cy="0"/>
+        </a:xfrm>
+      </p:grpSpPr>
+      <p:sp>
+        <p:nvSpPr>
+          <p:cNvPr id="2" name="Slide Image Placeholder 1"/>
+          <p:cNvSpPr>
+            <a:spLocks noGrp="1" noRot="1" noChangeAspect="1"/>
+          </p:cNvSpPr>
+          <p:nvPr>
+            <p:ph type="sldImg"/>
+          </p:nvPr>
+        </p:nvSpPr>
+        <p:spPr/>
+      </p:sp>
+      <p:sp>
+        <p:nvSpPr>
+          <p:cNvPr id="3" name="Notes Placeholder 2"/>
+          <p:cNvSpPr>
+            <a:spLocks noGrp="1"/>
+          </p:cNvSpPr>
+          <p:nvPr>
+            <p:ph type="body" idx="1"/>
+          </p:nvPr>
+        </p:nvSpPr>
+        <p:spPr/>
+        <p:txBody>
+          <a:bodyPr/>
+          <a:lstStyle/>
+          <a:p>
+            <a:r>
+              <a:rPr lang="en-US" dirty="0" smtClean="0"/>
+              <a:t>This gives probability</a:t>
+            </a:r>
+            <a:endParaRPr lang="en-US" dirty="0"/>
+          </a:p>
+        </p:txBody>
+      </p:sp>
+      <p:sp>
+        <p:nvSpPr>
+          <p:cNvPr id="4" name="Slide Number Placeholder 3"/>
+          <p:cNvSpPr>
+            <a:spLocks noGrp="1"/>
+          </p:cNvSpPr>
+          <p:nvPr>
+            <p:ph type="sldNum" sz="quarter" idx="10"/>
+          </p:nvPr>
+        </p:nvSpPr>
+        <p:spPr/>
+        <p:txBody>
+          <a:bodyPr/>
+          <a:lstStyle/>
+          <a:p>
+            <a:fld id="{7D9F736B-57A7-924F-A28C-09C10C785A95}" type="slidenum">
+              <a:rPr lang="en-US" smtClean="0"/>
+              <a:t>6</a:t>
+            </a:fld>
+            <a:endParaRPr lang="en-US"/>
+          </a:p>
+        </p:txBody>
+      </p:sp>
+    </p:spTree>
+    <p:extLst>
+      <p:ext uri="{BB962C8B-B14F-4D97-AF65-F5344CB8AC3E}">
+        <p14:creationId xmlns:p14="http://schemas.microsoft.com/office/powerpoint/2010/main" val="3091532562"/>
+      </p:ext>
+    </p:extLst>
+  </p:cSld>
+  <p:clrMapOvr>
+    <a:masterClrMapping/>
+  </p:clrMapOvr>
+</p:notes>
+</file>
+
+<file path=ppt/notesSlides/notesSlide3.xml><?xml version="1.0" encoding="utf-8"?>
+<p:notes xmlns:a="http://schemas.openxmlformats.org/drawingml/2006/main" xmlns:r="http://schemas.openxmlformats.org/officeDocument/2006/relationships" xmlns:p="http://schemas.openxmlformats.org/presentationml/2006/main">
+  <p:cSld>
+    <p:spTree>
+      <p:nvGrpSpPr>
+        <p:cNvPr id="1" name=""/>
+        <p:cNvGrpSpPr/>
+        <p:nvPr/>
+      </p:nvGrpSpPr>
+      <p:grpSpPr>
+        <a:xfrm>
+          <a:off x="0" y="0"/>
+          <a:ext cx="0" cy="0"/>
+          <a:chOff x="0" y="0"/>
+          <a:chExt cx="0" cy="0"/>
+        </a:xfrm>
+      </p:grpSpPr>
+      <p:sp>
+        <p:nvSpPr>
+          <p:cNvPr id="2" name="Slide Image Placeholder 1"/>
+          <p:cNvSpPr>
+            <a:spLocks noGrp="1" noRot="1" noChangeAspect="1"/>
+          </p:cNvSpPr>
+          <p:nvPr>
+            <p:ph type="sldImg"/>
+          </p:nvPr>
+        </p:nvSpPr>
+        <p:spPr/>
+      </p:sp>
+      <p:sp>
+        <p:nvSpPr>
+          <p:cNvPr id="3" name="Notes Placeholder 2"/>
+          <p:cNvSpPr>
+            <a:spLocks noGrp="1"/>
+          </p:cNvSpPr>
+          <p:nvPr>
+            <p:ph type="body" idx="1"/>
+          </p:nvPr>
+        </p:nvSpPr>
+        <p:spPr/>
+        <p:txBody>
+          <a:bodyPr/>
+          <a:lstStyle/>
+          <a:p>
+            <a:r>
+              <a:rPr lang="en-US" dirty="0" smtClean="0"/>
+              <a:t>The</a:t>
+            </a:r>
+            <a:r>
+              <a:rPr lang="en-US" baseline="0" dirty="0" smtClean="0"/>
+              <a:t> left hand side inside the log is the odds, the log of odds is linear   </a:t>
+            </a:r>
+            <a:r>
+              <a:rPr lang="en-US" baseline="0" dirty="0" err="1" smtClean="0"/>
+              <a:t>logit</a:t>
+            </a:r>
+            <a:r>
+              <a:rPr lang="en-US" baseline="0" dirty="0" smtClean="0"/>
+              <a:t> </a:t>
+            </a:r>
+            <a:r>
+              <a:rPr lang="en-US" baseline="0" dirty="0" err="1" smtClean="0"/>
+              <a:t>logit</a:t>
+            </a:r>
+            <a:r>
+              <a:rPr lang="en-US" baseline="0" dirty="0" smtClean="0"/>
+              <a:t> </a:t>
+            </a:r>
+            <a:r>
+              <a:rPr lang="en-US" baseline="0" dirty="0" err="1" smtClean="0"/>
+              <a:t>logit</a:t>
+            </a:r>
+            <a:r>
+              <a:rPr lang="en-US" baseline="0" dirty="0" smtClean="0"/>
+              <a:t> </a:t>
+            </a:r>
+            <a:r>
+              <a:rPr lang="en-US" baseline="0" dirty="0" err="1" smtClean="0"/>
+              <a:t>logit</a:t>
+            </a:r>
+            <a:endParaRPr lang="en-US" dirty="0"/>
+          </a:p>
+        </p:txBody>
+      </p:sp>
+      <p:sp>
+        <p:nvSpPr>
+          <p:cNvPr id="4" name="Slide Number Placeholder 3"/>
+          <p:cNvSpPr>
+            <a:spLocks noGrp="1"/>
+          </p:cNvSpPr>
+          <p:nvPr>
+            <p:ph type="sldNum" sz="quarter" idx="10"/>
+          </p:nvPr>
+        </p:nvSpPr>
+        <p:spPr/>
+        <p:txBody>
+          <a:bodyPr/>
+          <a:lstStyle/>
+          <a:p>
+            <a:fld id="{7D9F736B-57A7-924F-A28C-09C10C785A95}" type="slidenum">
+              <a:rPr lang="en-US" smtClean="0"/>
+              <a:t>7</a:t>
+            </a:fld>
+            <a:endParaRPr lang="en-US"/>
+          </a:p>
+        </p:txBody>
+      </p:sp>
+    </p:spTree>
+    <p:extLst>
+      <p:ext uri="{BB962C8B-B14F-4D97-AF65-F5344CB8AC3E}">
+        <p14:creationId xmlns:p14="http://schemas.microsoft.com/office/powerpoint/2010/main" val="2073194079"/>
+      </p:ext>
+    </p:extLst>
+  </p:cSld>
+  <p:clrMapOvr>
+    <a:masterClrMapping/>
+  </p:clrMapOvr>
+</p:notes>
+</file>
+
+<file path=ppt/notesSlides/notesSlide4.xml><?xml version="1.0" encoding="utf-8"?>
+<p:notes xmlns:a="http://schemas.openxmlformats.org/drawingml/2006/main" xmlns:r="http://schemas.openxmlformats.org/officeDocument/2006/relationships" xmlns:p="http://schemas.openxmlformats.org/presentationml/2006/main">
+  <p:cSld>
+    <p:spTree>
+      <p:nvGrpSpPr>
+        <p:cNvPr id="1" name=""/>
+        <p:cNvGrpSpPr/>
+        <p:nvPr/>
+      </p:nvGrpSpPr>
+      <p:grpSpPr>
+        <a:xfrm>
+          <a:off x="0" y="0"/>
+          <a:ext cx="0" cy="0"/>
+          <a:chOff x="0" y="0"/>
+          <a:chExt cx="0" cy="0"/>
+        </a:xfrm>
+      </p:grpSpPr>
+      <p:sp>
+        <p:nvSpPr>
+          <p:cNvPr id="2" name="Slide Image Placeholder 1"/>
+          <p:cNvSpPr>
+            <a:spLocks noGrp="1" noRot="1" noChangeAspect="1"/>
+          </p:cNvSpPr>
+          <p:nvPr>
+            <p:ph type="sldImg"/>
+          </p:nvPr>
+        </p:nvSpPr>
+        <p:spPr/>
+      </p:sp>
+      <p:sp>
+        <p:nvSpPr>
+          <p:cNvPr id="3" name="Notes Placeholder 2"/>
+          <p:cNvSpPr>
+            <a:spLocks noGrp="1"/>
+          </p:cNvSpPr>
+          <p:nvPr>
+            <p:ph type="body" idx="1"/>
+          </p:nvPr>
+        </p:nvSpPr>
+        <p:spPr/>
+        <p:txBody>
+          <a:bodyPr/>
+          <a:lstStyle/>
+          <a:p>
+            <a:r>
+              <a:rPr lang="en-US" dirty="0" smtClean="0"/>
+              <a:t>For every dollar increase in balance my odds</a:t>
+            </a:r>
+            <a:r>
+              <a:rPr lang="en-US" baseline="0" dirty="0" smtClean="0"/>
+              <a:t> of default increase by .5%  so at $1 </a:t>
+            </a:r>
+            <a:r>
+              <a:rPr lang="en-US" baseline="0" dirty="0" err="1" smtClean="0"/>
+              <a:t>vs</a:t>
+            </a:r>
+            <a:r>
+              <a:rPr lang="en-US" baseline="0" dirty="0" smtClean="0"/>
+              <a:t> $2, the odds go up by 1.1%</a:t>
+            </a:r>
+            <a:endParaRPr lang="en-US" dirty="0"/>
+          </a:p>
+        </p:txBody>
+      </p:sp>
+      <p:sp>
+        <p:nvSpPr>
+          <p:cNvPr id="4" name="Slide Number Placeholder 3"/>
+          <p:cNvSpPr>
+            <a:spLocks noGrp="1"/>
+          </p:cNvSpPr>
+          <p:nvPr>
+            <p:ph type="sldNum" sz="quarter" idx="10"/>
+          </p:nvPr>
+        </p:nvSpPr>
+        <p:spPr/>
+        <p:txBody>
+          <a:bodyPr/>
+          <a:lstStyle/>
+          <a:p>
+            <a:fld id="{7D9F736B-57A7-924F-A28C-09C10C785A95}" type="slidenum">
+              <a:rPr lang="en-US" smtClean="0"/>
+              <a:t>8</a:t>
+            </a:fld>
+            <a:endParaRPr lang="en-US"/>
+          </a:p>
+        </p:txBody>
+      </p:sp>
+    </p:spTree>
+    <p:extLst>
+      <p:ext uri="{BB962C8B-B14F-4D97-AF65-F5344CB8AC3E}">
+        <p14:creationId xmlns:p14="http://schemas.microsoft.com/office/powerpoint/2010/main" val="1914686417"/>
+      </p:ext>
+    </p:extLst>
+  </p:cSld>
+  <p:clrMapOvr>
+    <a:masterClrMapping/>
+  </p:clrMapOvr>
+</p:notes>
+</file>
+
+<file path=ppt/notesSlides/notesSlide5.xml><?xml version="1.0" encoding="utf-8"?>
+<p:notes xmlns:a="http://schemas.openxmlformats.org/drawingml/2006/main" xmlns:r="http://schemas.openxmlformats.org/officeDocument/2006/relationships" xmlns:p="http://schemas.openxmlformats.org/presentationml/2006/main">
+  <p:cSld>
+    <p:spTree>
+      <p:nvGrpSpPr>
+        <p:cNvPr id="1" name=""/>
+        <p:cNvGrpSpPr/>
+        <p:nvPr/>
+      </p:nvGrpSpPr>
+      <p:grpSpPr>
+        <a:xfrm>
+          <a:off x="0" y="0"/>
+          <a:ext cx="0" cy="0"/>
+          <a:chOff x="0" y="0"/>
+          <a:chExt cx="0" cy="0"/>
+        </a:xfrm>
+      </p:grpSpPr>
+      <p:sp>
+        <p:nvSpPr>
+          <p:cNvPr id="2" name="Slide Image Placeholder 1"/>
+          <p:cNvSpPr>
+            <a:spLocks noGrp="1" noRot="1" noChangeAspect="1"/>
+          </p:cNvSpPr>
+          <p:nvPr>
+            <p:ph type="sldImg"/>
+          </p:nvPr>
+        </p:nvSpPr>
+        <p:spPr/>
+      </p:sp>
+      <p:sp>
+        <p:nvSpPr>
+          <p:cNvPr id="3" name="Notes Placeholder 2"/>
+          <p:cNvSpPr>
+            <a:spLocks noGrp="1"/>
+          </p:cNvSpPr>
+          <p:nvPr>
+            <p:ph type="body" idx="1"/>
+          </p:nvPr>
+        </p:nvSpPr>
+        <p:spPr/>
+        <p:txBody>
+          <a:bodyPr/>
+          <a:lstStyle/>
+          <a:p>
+            <a:r>
+              <a:rPr lang="en-US" dirty="0" smtClean="0"/>
+              <a:t>Beta</a:t>
+            </a:r>
+            <a:r>
+              <a:rPr lang="en-US" baseline="0" dirty="0" smtClean="0"/>
+              <a:t> </a:t>
+            </a:r>
+            <a:r>
+              <a:rPr lang="en-US" baseline="0" dirty="0" err="1" smtClean="0"/>
+              <a:t>i</a:t>
+            </a:r>
+            <a:r>
+              <a:rPr lang="en-US" baseline="0" dirty="0" smtClean="0"/>
+              <a:t> is percentage change in odds</a:t>
+            </a:r>
+          </a:p>
+          <a:p>
+            <a:endParaRPr lang="en-US" baseline="0" dirty="0" smtClean="0"/>
+          </a:p>
+          <a:p>
+            <a:endParaRPr lang="en-US" dirty="0"/>
+          </a:p>
+        </p:txBody>
+      </p:sp>
+      <p:sp>
+        <p:nvSpPr>
+          <p:cNvPr id="4" name="Slide Number Placeholder 3"/>
+          <p:cNvSpPr>
+            <a:spLocks noGrp="1"/>
+          </p:cNvSpPr>
+          <p:nvPr>
+            <p:ph type="sldNum" sz="quarter" idx="10"/>
+          </p:nvPr>
+        </p:nvSpPr>
+        <p:spPr/>
+        <p:txBody>
+          <a:bodyPr/>
+          <a:lstStyle/>
+          <a:p>
+            <a:fld id="{7D9F736B-57A7-924F-A28C-09C10C785A95}" type="slidenum">
+              <a:rPr lang="en-US" smtClean="0"/>
+              <a:t>9</a:t>
+            </a:fld>
+            <a:endParaRPr lang="en-US"/>
+          </a:p>
+        </p:txBody>
+      </p:sp>
+    </p:spTree>
+    <p:extLst>
+      <p:ext uri="{BB962C8B-B14F-4D97-AF65-F5344CB8AC3E}">
+        <p14:creationId xmlns:p14="http://schemas.microsoft.com/office/powerpoint/2010/main" val="2568007168"/>
+      </p:ext>
+    </p:extLst>
+  </p:cSld>
+  <p:clrMapOvr>
+    <a:masterClrMapping/>
+  </p:clrMapOvr>
+</p:notes>
+</file>
+
+<file path=ppt/notesSlides/notesSlide6.xml><?xml version="1.0" encoding="utf-8"?>
+<p:notes xmlns:a="http://schemas.openxmlformats.org/drawingml/2006/main" xmlns:r="http://schemas.openxmlformats.org/officeDocument/2006/relationships" xmlns:p="http://schemas.openxmlformats.org/presentationml/2006/main">
+  <p:cSld>
+    <p:spTree>
+      <p:nvGrpSpPr>
+        <p:cNvPr id="1" name=""/>
+        <p:cNvGrpSpPr/>
+        <p:nvPr/>
+      </p:nvGrpSpPr>
+      <p:grpSpPr>
+        <a:xfrm>
+          <a:off x="0" y="0"/>
+          <a:ext cx="0" cy="0"/>
+          <a:chOff x="0" y="0"/>
+          <a:chExt cx="0" cy="0"/>
+        </a:xfrm>
+      </p:grpSpPr>
+      <p:sp>
+        <p:nvSpPr>
+          <p:cNvPr id="2" name="Slide Image Placeholder 1"/>
+          <p:cNvSpPr>
+            <a:spLocks noGrp="1" noRot="1" noChangeAspect="1"/>
+          </p:cNvSpPr>
+          <p:nvPr>
+            <p:ph type="sldImg"/>
+          </p:nvPr>
+        </p:nvSpPr>
+        <p:spPr/>
+      </p:sp>
+      <p:sp>
+        <p:nvSpPr>
+          <p:cNvPr id="3" name="Notes Placeholder 2"/>
+          <p:cNvSpPr>
+            <a:spLocks noGrp="1"/>
+          </p:cNvSpPr>
+          <p:nvPr>
+            <p:ph type="body" idx="1"/>
+          </p:nvPr>
+        </p:nvSpPr>
+        <p:spPr/>
+        <p:txBody>
+          <a:bodyPr/>
+          <a:lstStyle/>
+          <a:p>
+            <a:r>
+              <a:rPr lang="en-US" dirty="0" smtClean="0"/>
+              <a:t>Given same balance, student less likely to default</a:t>
+            </a:r>
             <a:endParaRPr lang="en-US" dirty="0"/>
           </a:p>
         </p:txBody>
@@ -753,7 +1262,7 @@
           <a:p>
             <a:fld id="{04CF736D-88B8-2442-8CCB-69E82654D636}" type="datetimeFigureOut">
               <a:rPr lang="en-US" smtClean="0"/>
-              <a:t>2/27/16</a:t>
+              <a:t>2/29/16</a:t>
             </a:fld>
             <a:endParaRPr lang="en-US"/>
           </a:p>
@@ -918,7 +1427,7 @@
           <a:p>
             <a:fld id="{04CF736D-88B8-2442-8CCB-69E82654D636}" type="datetimeFigureOut">
               <a:rPr lang="en-US" smtClean="0"/>
-              <a:t>2/27/16</a:t>
+              <a:t>2/29/16</a:t>
             </a:fld>
             <a:endParaRPr lang="en-US"/>
           </a:p>
@@ -1093,7 +1602,7 @@
           <a:p>
             <a:fld id="{04CF736D-88B8-2442-8CCB-69E82654D636}" type="datetimeFigureOut">
               <a:rPr lang="en-US" smtClean="0"/>
-              <a:t>2/27/16</a:t>
+              <a:t>2/29/16</a:t>
             </a:fld>
             <a:endParaRPr lang="en-US"/>
           </a:p>
@@ -1258,7 +1767,7 @@
           <a:p>
             <a:fld id="{04CF736D-88B8-2442-8CCB-69E82654D636}" type="datetimeFigureOut">
               <a:rPr lang="en-US" smtClean="0"/>
-              <a:t>2/27/16</a:t>
+              <a:t>2/29/16</a:t>
             </a:fld>
             <a:endParaRPr lang="en-US"/>
           </a:p>
@@ -1499,7 +2008,7 @@
           <a:p>
             <a:fld id="{04CF736D-88B8-2442-8CCB-69E82654D636}" type="datetimeFigureOut">
               <a:rPr lang="en-US" smtClean="0"/>
-              <a:t>2/27/16</a:t>
+              <a:t>2/29/16</a:t>
             </a:fld>
             <a:endParaRPr lang="en-US"/>
           </a:p>
@@ -1782,7 +2291,7 @@
           <a:p>
             <a:fld id="{04CF736D-88B8-2442-8CCB-69E82654D636}" type="datetimeFigureOut">
               <a:rPr lang="en-US" smtClean="0"/>
-              <a:t>2/27/16</a:t>
+              <a:t>2/29/16</a:t>
             </a:fld>
             <a:endParaRPr lang="en-US"/>
           </a:p>
@@ -2211,7 +2720,7 @@
           <a:p>
             <a:fld id="{04CF736D-88B8-2442-8CCB-69E82654D636}" type="datetimeFigureOut">
               <a:rPr lang="en-US" smtClean="0"/>
-              <a:t>2/27/16</a:t>
+              <a:t>2/29/16</a:t>
             </a:fld>
             <a:endParaRPr lang="en-US"/>
           </a:p>
@@ -2324,7 +2833,7 @@
           <a:p>
             <a:fld id="{04CF736D-88B8-2442-8CCB-69E82654D636}" type="datetimeFigureOut">
               <a:rPr lang="en-US" smtClean="0"/>
-              <a:t>2/27/16</a:t>
+              <a:t>2/29/16</a:t>
             </a:fld>
             <a:endParaRPr lang="en-US"/>
           </a:p>
@@ -2414,7 +2923,7 @@
           <a:p>
             <a:fld id="{04CF736D-88B8-2442-8CCB-69E82654D636}" type="datetimeFigureOut">
               <a:rPr lang="en-US" smtClean="0"/>
-              <a:t>2/27/16</a:t>
+              <a:t>2/29/16</a:t>
             </a:fld>
             <a:endParaRPr lang="en-US"/>
           </a:p>
@@ -2603,7 +3112,7 @@
           <a:p>
             <a:fld id="{04CF736D-88B8-2442-8CCB-69E82654D636}" type="datetimeFigureOut">
               <a:rPr lang="en-US" smtClean="0"/>
-              <a:t>2/27/16</a:t>
+              <a:t>2/29/16</a:t>
             </a:fld>
             <a:endParaRPr lang="en-US"/>
           </a:p>
@@ -2921,7 +3430,7 @@
           <a:p>
             <a:fld id="{04CF736D-88B8-2442-8CCB-69E82654D636}" type="datetimeFigureOut">
               <a:rPr lang="en-US" smtClean="0"/>
-              <a:t>2/27/16</a:t>
+              <a:t>2/29/16</a:t>
             </a:fld>
             <a:endParaRPr lang="en-US"/>
           </a:p>
@@ -3300,7 +3809,7 @@
           <a:p>
             <a:fld id="{04CF736D-88B8-2442-8CCB-69E82654D636}" type="datetimeFigureOut">
               <a:rPr lang="en-US" smtClean="0"/>
-              <a:t>2/27/16</a:t>
+              <a:t>2/29/16</a:t>
             </a:fld>
             <a:endParaRPr lang="en-US"/>
           </a:p>
@@ -6644,7 +7153,7 @@
           </p:nvPr>
         </p:nvPicPr>
         <p:blipFill>
-          <a:blip r:embed="rId2">
+          <a:blip r:embed="rId3">
             <a:extLst>
               <a:ext uri="{28A0092B-C50C-407E-A947-70E740481C1C}">
                 <a14:useLocalDpi xmlns:a14="http://schemas.microsoft.com/office/drawing/2010/main" val="0"/>
@@ -6831,7 +7340,7 @@
           <p:nvPr/>
         </p:nvPicPr>
         <p:blipFill>
-          <a:blip r:embed="rId2">
+          <a:blip r:embed="rId3">
             <a:extLst>
               <a:ext uri="{28A0092B-C50C-407E-A947-70E740481C1C}">
                 <a14:useLocalDpi xmlns:a14="http://schemas.microsoft.com/office/drawing/2010/main" val="0"/>
@@ -7187,7 +7696,7 @@
           <p:nvPr/>
         </p:nvPicPr>
         <p:blipFill>
-          <a:blip r:embed="rId2">
+          <a:blip r:embed="rId3">
             <a:extLst>
               <a:ext uri="{28A0092B-C50C-407E-A947-70E740481C1C}">
                 <a14:useLocalDpi xmlns:a14="http://schemas.microsoft.com/office/drawing/2010/main" val="0"/>
@@ -7490,7 +7999,7 @@
           <p:nvPr/>
         </p:nvPicPr>
         <p:blipFill>
-          <a:blip r:embed="rId2">
+          <a:blip r:embed="rId3">
             <a:extLst>
               <a:ext uri="{28A0092B-C50C-407E-A947-70E740481C1C}">
                 <a14:useLocalDpi xmlns:a14="http://schemas.microsoft.com/office/drawing/2010/main" val="0"/>
@@ -7836,7 +8345,7 @@
           <p:nvPr/>
         </p:nvPicPr>
         <p:blipFill>
-          <a:blip r:embed="rId2">
+          <a:blip r:embed="rId3">
             <a:extLst>
               <a:ext uri="{28A0092B-C50C-407E-A947-70E740481C1C}">
                 <a14:useLocalDpi xmlns:a14="http://schemas.microsoft.com/office/drawing/2010/main" val="0"/>
@@ -7866,7 +8375,7 @@
           <p:nvPr/>
         </p:nvPicPr>
         <p:blipFill>
-          <a:blip r:embed="rId3">
+          <a:blip r:embed="rId4">
             <a:extLst>
               <a:ext uri="{28A0092B-C50C-407E-A947-70E740481C1C}">
                 <a14:useLocalDpi xmlns:a14="http://schemas.microsoft.com/office/drawing/2010/main" val="0"/>
